--- a/CalendarioAgo23/Presentaciones/6_Ruteo_estatico.pptx
+++ b/CalendarioAgo23/Presentaciones/6_Ruteo_estatico.pptx
@@ -784,7 +784,7 @@
               </a14:hiddenFill>
             </a:ext>
             <a:ext uri="{FAA26D3D-D897-4be2-8F04-BA451C77F1D7}">
-              <ma14:placeholderFlag xmlns="" xmlns:o="urn:schemas-microsoft-com:office:office" xmlns:v="urn:schemas-microsoft-com:vml" xmlns:wp="http://schemas.openxmlformats.org/drawingml/2006/powerpointprocessingDrawing" xmlns:wne="http://schemas.microsoft.com/office/powerpoint/2006/powerpointml" xmlns:cdr="http://schemas.openxmlformats.org/drawingml/2006/chartDrawing" xmlns:dgm="http://schemas.openxmlformats.org/drawingml/2006/diagram" xmlns:c="http://schemas.openxmlformats.org/drawingml/2006/chart" xmlns:a14="http://schemas.microsoft.com/office/drawing/2010/main" xmlns:mc="http://schemas.openxmlformats.org/markup-compatibility/2006" xmlns:ma14="http://schemas.microsoft.com/office/mac/drawingml/2011/main" val="1"/>
+              <ma14:placeholderFlag xmlns:ma14="http://schemas.microsoft.com/office/mac/drawingml/2011/main" xmlns:mc="http://schemas.openxmlformats.org/markup-compatibility/2006" xmlns:a14="http://schemas.microsoft.com/office/drawing/2010/main" xmlns:c="http://schemas.openxmlformats.org/drawingml/2006/chart" xmlns:dgm="http://schemas.openxmlformats.org/drawingml/2006/diagram" xmlns:cdr="http://schemas.openxmlformats.org/drawingml/2006/chartDrawing" xmlns:wne="http://schemas.microsoft.com/office/powerpoint/2006/powerpointml" xmlns:wp="http://schemas.openxmlformats.org/drawingml/2006/powerpointprocessingDrawing" xmlns:v="urn:schemas-microsoft-com:vml" xmlns:o="urn:schemas-microsoft-com:office:office" xmlns="" val="1"/>
             </a:ext>
           </a:extLst>
         </p:spPr>
@@ -11735,7 +11735,7 @@
         <p:fade/>
       </p:transition>
     </mc:Choice>
-    <mc:Fallback xmlns:c="http://schemas.openxmlformats.org/drawingml/2006/chart" xmlns:c15="http://schemas.microsoft.com/office/drawing/2012/chart" xmlns="">
+    <mc:Fallback xmlns="" xmlns:c15="http://schemas.microsoft.com/office/drawing/2012/chart" xmlns:c="http://schemas.openxmlformats.org/drawingml/2006/chart">
       <p:transition xmlns:p14="http://schemas.microsoft.com/office/powerpoint/2010/main" spd="med">
         <p:fade/>
       </p:transition>
@@ -12995,7 +12995,7 @@
               </a14:hiddenLine>
             </a:ext>
             <a:ext uri="{FAA26D3D-D897-4be2-8F04-BA451C77F1D7}">
-              <ma14:placeholderFlag xmlns="" xmlns:o="urn:schemas-microsoft-com:office:office" xmlns:v="urn:schemas-microsoft-com:vml" xmlns:wp="http://schemas.openxmlformats.org/drawingml/2006/powerpointprocessingDrawing" xmlns:wne="http://schemas.microsoft.com/office/powerpoint/2006/powerpointml" xmlns:cdr="http://schemas.openxmlformats.org/drawingml/2006/chartDrawing" xmlns:dgm="http://schemas.openxmlformats.org/drawingml/2006/diagram" xmlns:c="http://schemas.openxmlformats.org/drawingml/2006/chart" xmlns:a14="http://schemas.microsoft.com/office/drawing/2010/main" xmlns:mc="http://schemas.openxmlformats.org/markup-compatibility/2006" xmlns:ma14="http://schemas.microsoft.com/office/mac/drawingml/2011/main" val="1"/>
+              <ma14:placeholderFlag xmlns:ma14="http://schemas.microsoft.com/office/mac/drawingml/2011/main" xmlns:mc="http://schemas.openxmlformats.org/markup-compatibility/2006" xmlns:a14="http://schemas.microsoft.com/office/drawing/2010/main" xmlns:c="http://schemas.openxmlformats.org/drawingml/2006/chart" xmlns:dgm="http://schemas.openxmlformats.org/drawingml/2006/diagram" xmlns:cdr="http://schemas.openxmlformats.org/drawingml/2006/chartDrawing" xmlns:wne="http://schemas.microsoft.com/office/powerpoint/2006/powerpointml" xmlns:wp="http://schemas.openxmlformats.org/drawingml/2006/powerpointprocessingDrawing" xmlns:v="urn:schemas-microsoft-com:vml" xmlns:o="urn:schemas-microsoft-com:office:office" xmlns="" val="1"/>
             </a:ext>
           </a:extLst>
         </p:spPr>
@@ -13205,7 +13205,7 @@
               </a14:hiddenLine>
             </a:ext>
             <a:ext uri="{FAA26D3D-D897-4be2-8F04-BA451C77F1D7}">
-              <ma14:placeholderFlag xmlns="" xmlns:o="urn:schemas-microsoft-com:office:office" xmlns:v="urn:schemas-microsoft-com:vml" xmlns:wp="http://schemas.openxmlformats.org/drawingml/2006/powerpointprocessingDrawing" xmlns:wne="http://schemas.microsoft.com/office/powerpoint/2006/powerpointml" xmlns:cdr="http://schemas.openxmlformats.org/drawingml/2006/chartDrawing" xmlns:dgm="http://schemas.openxmlformats.org/drawingml/2006/diagram" xmlns:c="http://schemas.openxmlformats.org/drawingml/2006/chart" xmlns:a14="http://schemas.microsoft.com/office/drawing/2010/main" xmlns:mc="http://schemas.openxmlformats.org/markup-compatibility/2006" xmlns:ma14="http://schemas.microsoft.com/office/mac/drawingml/2011/main" val="1"/>
+              <ma14:placeholderFlag xmlns:ma14="http://schemas.microsoft.com/office/mac/drawingml/2011/main" xmlns:mc="http://schemas.openxmlformats.org/markup-compatibility/2006" xmlns:a14="http://schemas.microsoft.com/office/drawing/2010/main" xmlns:c="http://schemas.openxmlformats.org/drawingml/2006/chart" xmlns:dgm="http://schemas.openxmlformats.org/drawingml/2006/diagram" xmlns:cdr="http://schemas.openxmlformats.org/drawingml/2006/chartDrawing" xmlns:wne="http://schemas.microsoft.com/office/powerpoint/2006/powerpointml" xmlns:wp="http://schemas.openxmlformats.org/drawingml/2006/powerpointprocessingDrawing" xmlns:v="urn:schemas-microsoft-com:vml" xmlns:o="urn:schemas-microsoft-com:office:office" xmlns="" val="1"/>
             </a:ext>
           </a:extLst>
         </p:spPr>
@@ -13969,7 +13969,7 @@
               </a14:hiddenLine>
             </a:ext>
             <a:ext uri="{FAA26D3D-D897-4be2-8F04-BA451C77F1D7}">
-              <ma14:placeholderFlag xmlns="" xmlns:o="urn:schemas-microsoft-com:office:office" xmlns:v="urn:schemas-microsoft-com:vml" xmlns:wp="http://schemas.openxmlformats.org/drawingml/2006/powerpointprocessingDrawing" xmlns:wne="http://schemas.microsoft.com/office/powerpoint/2006/powerpointml" xmlns:cdr="http://schemas.openxmlformats.org/drawingml/2006/chartDrawing" xmlns:dgm="http://schemas.openxmlformats.org/drawingml/2006/diagram" xmlns:c="http://schemas.openxmlformats.org/drawingml/2006/chart" xmlns:a14="http://schemas.microsoft.com/office/drawing/2010/main" xmlns:mc="http://schemas.openxmlformats.org/markup-compatibility/2006" xmlns:ma14="http://schemas.microsoft.com/office/mac/drawingml/2011/main" val="1"/>
+              <ma14:placeholderFlag xmlns:ma14="http://schemas.microsoft.com/office/mac/drawingml/2011/main" xmlns:mc="http://schemas.openxmlformats.org/markup-compatibility/2006" xmlns:a14="http://schemas.microsoft.com/office/drawing/2010/main" xmlns:c="http://schemas.openxmlformats.org/drawingml/2006/chart" xmlns:dgm="http://schemas.openxmlformats.org/drawingml/2006/diagram" xmlns:cdr="http://schemas.openxmlformats.org/drawingml/2006/chartDrawing" xmlns:wne="http://schemas.microsoft.com/office/powerpoint/2006/powerpointml" xmlns:wp="http://schemas.openxmlformats.org/drawingml/2006/powerpointprocessingDrawing" xmlns:v="urn:schemas-microsoft-com:vml" xmlns:o="urn:schemas-microsoft-com:office:office" xmlns="" val="1"/>
             </a:ext>
           </a:extLst>
         </p:spPr>
@@ -14164,7 +14164,7 @@
               </a14:hiddenLine>
             </a:ext>
             <a:ext uri="{FAA26D3D-D897-4be2-8F04-BA451C77F1D7}">
-              <ma14:placeholderFlag xmlns="" xmlns:o="urn:schemas-microsoft-com:office:office" xmlns:v="urn:schemas-microsoft-com:vml" xmlns:wp="http://schemas.openxmlformats.org/drawingml/2006/powerpointprocessingDrawing" xmlns:wne="http://schemas.microsoft.com/office/powerpoint/2006/powerpointml" xmlns:cdr="http://schemas.openxmlformats.org/drawingml/2006/chartDrawing" xmlns:dgm="http://schemas.openxmlformats.org/drawingml/2006/diagram" xmlns:c="http://schemas.openxmlformats.org/drawingml/2006/chart" xmlns:a14="http://schemas.microsoft.com/office/drawing/2010/main" xmlns:mc="http://schemas.openxmlformats.org/markup-compatibility/2006" xmlns:ma14="http://schemas.microsoft.com/office/mac/drawingml/2011/main" val="1"/>
+              <ma14:placeholderFlag xmlns:ma14="http://schemas.microsoft.com/office/mac/drawingml/2011/main" xmlns:mc="http://schemas.openxmlformats.org/markup-compatibility/2006" xmlns:a14="http://schemas.microsoft.com/office/drawing/2010/main" xmlns:c="http://schemas.openxmlformats.org/drawingml/2006/chart" xmlns:dgm="http://schemas.openxmlformats.org/drawingml/2006/diagram" xmlns:cdr="http://schemas.openxmlformats.org/drawingml/2006/chartDrawing" xmlns:wne="http://schemas.microsoft.com/office/powerpoint/2006/powerpointml" xmlns:wp="http://schemas.openxmlformats.org/drawingml/2006/powerpointprocessingDrawing" xmlns:v="urn:schemas-microsoft-com:vml" xmlns:o="urn:schemas-microsoft-com:office:office" xmlns="" val="1"/>
             </a:ext>
           </a:extLst>
         </p:spPr>
@@ -17370,7 +17370,7 @@
         </p:nvSpPr>
         <p:spPr>
           <a:xfrm>
-            <a:off x="193868" y="394392"/>
+            <a:off x="255181" y="446643"/>
             <a:ext cx="8875704" cy="838200"/>
           </a:xfrm>
         </p:spPr>
@@ -17386,7 +17386,7 @@
               <a:rPr dirty="0"/>
             </a:br>
             <a:r>
-              <a:rPr lang="es-ES" dirty="0"/>
+              <a:rPr lang="es-ES" sz="2800" dirty="0"/>
               <a:t>Configurar una ruta IPv6 estática de siguiente salto</a:t>
             </a:r>
           </a:p>
@@ -17652,7 +17652,7 @@
         </p:blipFill>
         <p:spPr>
           <a:xfrm>
-            <a:off x="1318519" y="1520462"/>
+            <a:off x="1388187" y="1378832"/>
             <a:ext cx="6234674" cy="5140036"/>
           </a:xfrm>
           <a:prstGeom prst="rect">
@@ -17703,7 +17703,12 @@
             <p:ph type="title"/>
           </p:nvPr>
         </p:nvSpPr>
-        <p:spPr/>
+        <p:spPr>
+          <a:xfrm>
+            <a:off x="193868" y="394392"/>
+            <a:ext cx="8863046" cy="838200"/>
+          </a:xfrm>
+        </p:spPr>
         <p:txBody>
           <a:bodyPr anchor="t"/>
           <a:lstStyle/>
@@ -17716,8 +17721,8 @@
               <a:rPr dirty="0"/>
             </a:br>
             <a:r>
-              <a:rPr lang="es-ES" dirty="0"/>
-              <a:t>Configurar una ruta IPv6 estática conectada directamente</a:t>
+              <a:rPr lang="es-ES" sz="2800" dirty="0"/>
+              <a:t>Configurar una ruta IPv6 estática directamente conectada</a:t>
             </a:r>
           </a:p>
         </p:txBody>
@@ -17982,7 +17987,7 @@
         </p:blipFill>
         <p:spPr>
           <a:xfrm>
-            <a:off x="1967346" y="1497257"/>
+            <a:off x="1949928" y="1566240"/>
             <a:ext cx="5583382" cy="4897368"/>
           </a:xfrm>
           <a:prstGeom prst="rect">
@@ -18033,7 +18038,12 @@
             <p:ph type="title"/>
           </p:nvPr>
         </p:nvSpPr>
-        <p:spPr/>
+        <p:spPr>
+          <a:xfrm>
+            <a:off x="193869" y="394392"/>
+            <a:ext cx="8741126" cy="1007688"/>
+          </a:xfrm>
+        </p:spPr>
         <p:txBody>
           <a:bodyPr anchor="t"/>
           <a:lstStyle/>
@@ -18046,7 +18056,7 @@
               <a:rPr dirty="0"/>
             </a:br>
             <a:r>
-              <a:rPr lang="es-ES" dirty="0"/>
+              <a:rPr lang="es-ES" sz="2800" dirty="0"/>
               <a:t>Configurar una ruta IPv6 estática totalmente especificada</a:t>
             </a:r>
           </a:p>
@@ -18312,7 +18322,7 @@
         </p:blipFill>
         <p:spPr>
           <a:xfrm>
-            <a:off x="735759" y="1619134"/>
+            <a:off x="736777" y="1675383"/>
             <a:ext cx="7686337" cy="5030835"/>
           </a:xfrm>
           <a:prstGeom prst="rect">
@@ -19165,7 +19175,7 @@
         </p:blipFill>
         <p:spPr>
           <a:xfrm>
-            <a:off x="1048202" y="1607127"/>
+            <a:off x="1032570" y="1522983"/>
             <a:ext cx="7094751" cy="4827357"/>
           </a:xfrm>
           <a:prstGeom prst="rect">
@@ -19495,7 +19505,7 @@
         </p:blipFill>
         <p:spPr>
           <a:xfrm>
-            <a:off x="1639715" y="1540936"/>
+            <a:off x="1613589" y="1427193"/>
             <a:ext cx="6169369" cy="5036415"/>
           </a:xfrm>
           <a:prstGeom prst="rect">
@@ -21529,7 +21539,7 @@
         <p:fade/>
       </p:transition>
     </mc:Choice>
-    <mc:Fallback xmlns:c="http://schemas.openxmlformats.org/drawingml/2006/chart" xmlns:c15="http://schemas.microsoft.com/office/drawing/2012/chart" xmlns="">
+    <mc:Fallback xmlns="" xmlns:c15="http://schemas.microsoft.com/office/drawing/2012/chart" xmlns:c="http://schemas.openxmlformats.org/drawingml/2006/chart">
       <p:transition xmlns:p14="http://schemas.microsoft.com/office/powerpoint/2010/main" spd="med">
         <p:fade/>
       </p:transition>
@@ -21773,7 +21783,7 @@
               </a14:hiddenLine>
             </a:ext>
             <a:ext uri="{FAA26D3D-D897-4be2-8F04-BA451C77F1D7}">
-              <ma14:placeholderFlag xmlns="" xmlns:o="urn:schemas-microsoft-com:office:office" xmlns:v="urn:schemas-microsoft-com:vml" xmlns:wp="http://schemas.openxmlformats.org/drawingml/2006/powerpointprocessingDrawing" xmlns:wne="http://schemas.microsoft.com/office/powerpoint/2006/powerpointml" xmlns:cdr="http://schemas.openxmlformats.org/drawingml/2006/chartDrawing" xmlns:dgm="http://schemas.openxmlformats.org/drawingml/2006/diagram" xmlns:c="http://schemas.openxmlformats.org/drawingml/2006/chart" xmlns:a14="http://schemas.microsoft.com/office/drawing/2010/main" xmlns:mc="http://schemas.openxmlformats.org/markup-compatibility/2006" xmlns:ma14="http://schemas.microsoft.com/office/mac/drawingml/2011/main" val="1"/>
+              <ma14:placeholderFlag xmlns:ma14="http://schemas.microsoft.com/office/mac/drawingml/2011/main" xmlns:mc="http://schemas.openxmlformats.org/markup-compatibility/2006" xmlns:a14="http://schemas.microsoft.com/office/drawing/2010/main" xmlns:c="http://schemas.openxmlformats.org/drawingml/2006/chart" xmlns:dgm="http://schemas.openxmlformats.org/drawingml/2006/diagram" xmlns:cdr="http://schemas.openxmlformats.org/drawingml/2006/chartDrawing" xmlns:wne="http://schemas.microsoft.com/office/powerpoint/2006/powerpointml" xmlns:wp="http://schemas.openxmlformats.org/drawingml/2006/powerpointprocessingDrawing" xmlns:v="urn:schemas-microsoft-com:vml" xmlns:o="urn:schemas-microsoft-com:office:office" xmlns="" val="1"/>
             </a:ext>
           </a:extLst>
         </p:spPr>

--- a/CalendarioAgo23/Presentaciones/6_Ruteo_estatico.pptx
+++ b/CalendarioAgo23/Presentaciones/6_Ruteo_estatico.pptx
@@ -784,7 +784,7 @@
               </a14:hiddenFill>
             </a:ext>
             <a:ext uri="{FAA26D3D-D897-4be2-8F04-BA451C77F1D7}">
-              <ma14:placeholderFlag xmlns:ma14="http://schemas.microsoft.com/office/mac/drawingml/2011/main" xmlns:mc="http://schemas.openxmlformats.org/markup-compatibility/2006" xmlns:a14="http://schemas.microsoft.com/office/drawing/2010/main" xmlns:c="http://schemas.openxmlformats.org/drawingml/2006/chart" xmlns:dgm="http://schemas.openxmlformats.org/drawingml/2006/diagram" xmlns:cdr="http://schemas.openxmlformats.org/drawingml/2006/chartDrawing" xmlns:wne="http://schemas.microsoft.com/office/powerpoint/2006/powerpointml" xmlns:wp="http://schemas.openxmlformats.org/drawingml/2006/powerpointprocessingDrawing" xmlns:v="urn:schemas-microsoft-com:vml" xmlns:o="urn:schemas-microsoft-com:office:office" xmlns="" val="1"/>
+              <ma14:placeholderFlag xmlns="" xmlns:o="urn:schemas-microsoft-com:office:office" xmlns:v="urn:schemas-microsoft-com:vml" xmlns:wp="http://schemas.openxmlformats.org/drawingml/2006/powerpointprocessingDrawing" xmlns:wne="http://schemas.microsoft.com/office/powerpoint/2006/powerpointml" xmlns:cdr="http://schemas.openxmlformats.org/drawingml/2006/chartDrawing" xmlns:dgm="http://schemas.openxmlformats.org/drawingml/2006/diagram" xmlns:c="http://schemas.openxmlformats.org/drawingml/2006/chart" xmlns:a14="http://schemas.microsoft.com/office/drawing/2010/main" xmlns:mc="http://schemas.openxmlformats.org/markup-compatibility/2006" xmlns:ma14="http://schemas.microsoft.com/office/mac/drawingml/2011/main" val="1"/>
             </a:ext>
           </a:extLst>
         </p:spPr>
@@ -11735,7 +11735,7 @@
         <p:fade/>
       </p:transition>
     </mc:Choice>
-    <mc:Fallback xmlns="" xmlns:c15="http://schemas.microsoft.com/office/drawing/2012/chart" xmlns:c="http://schemas.openxmlformats.org/drawingml/2006/chart">
+    <mc:Fallback xmlns:c="http://schemas.openxmlformats.org/drawingml/2006/chart" xmlns:c15="http://schemas.microsoft.com/office/drawing/2012/chart" xmlns="">
       <p:transition xmlns:p14="http://schemas.microsoft.com/office/powerpoint/2010/main" spd="med">
         <p:fade/>
       </p:transition>
@@ -12995,7 +12995,7 @@
               </a14:hiddenLine>
             </a:ext>
             <a:ext uri="{FAA26D3D-D897-4be2-8F04-BA451C77F1D7}">
-              <ma14:placeholderFlag xmlns:ma14="http://schemas.microsoft.com/office/mac/drawingml/2011/main" xmlns:mc="http://schemas.openxmlformats.org/markup-compatibility/2006" xmlns:a14="http://schemas.microsoft.com/office/drawing/2010/main" xmlns:c="http://schemas.openxmlformats.org/drawingml/2006/chart" xmlns:dgm="http://schemas.openxmlformats.org/drawingml/2006/diagram" xmlns:cdr="http://schemas.openxmlformats.org/drawingml/2006/chartDrawing" xmlns:wne="http://schemas.microsoft.com/office/powerpoint/2006/powerpointml" xmlns:wp="http://schemas.openxmlformats.org/drawingml/2006/powerpointprocessingDrawing" xmlns:v="urn:schemas-microsoft-com:vml" xmlns:o="urn:schemas-microsoft-com:office:office" xmlns="" val="1"/>
+              <ma14:placeholderFlag xmlns="" xmlns:o="urn:schemas-microsoft-com:office:office" xmlns:v="urn:schemas-microsoft-com:vml" xmlns:wp="http://schemas.openxmlformats.org/drawingml/2006/powerpointprocessingDrawing" xmlns:wne="http://schemas.microsoft.com/office/powerpoint/2006/powerpointml" xmlns:cdr="http://schemas.openxmlformats.org/drawingml/2006/chartDrawing" xmlns:dgm="http://schemas.openxmlformats.org/drawingml/2006/diagram" xmlns:c="http://schemas.openxmlformats.org/drawingml/2006/chart" xmlns:a14="http://schemas.microsoft.com/office/drawing/2010/main" xmlns:mc="http://schemas.openxmlformats.org/markup-compatibility/2006" xmlns:ma14="http://schemas.microsoft.com/office/mac/drawingml/2011/main" val="1"/>
             </a:ext>
           </a:extLst>
         </p:spPr>
@@ -13205,7 +13205,7 @@
               </a14:hiddenLine>
             </a:ext>
             <a:ext uri="{FAA26D3D-D897-4be2-8F04-BA451C77F1D7}">
-              <ma14:placeholderFlag xmlns:ma14="http://schemas.microsoft.com/office/mac/drawingml/2011/main" xmlns:mc="http://schemas.openxmlformats.org/markup-compatibility/2006" xmlns:a14="http://schemas.microsoft.com/office/drawing/2010/main" xmlns:c="http://schemas.openxmlformats.org/drawingml/2006/chart" xmlns:dgm="http://schemas.openxmlformats.org/drawingml/2006/diagram" xmlns:cdr="http://schemas.openxmlformats.org/drawingml/2006/chartDrawing" xmlns:wne="http://schemas.microsoft.com/office/powerpoint/2006/powerpointml" xmlns:wp="http://schemas.openxmlformats.org/drawingml/2006/powerpointprocessingDrawing" xmlns:v="urn:schemas-microsoft-com:vml" xmlns:o="urn:schemas-microsoft-com:office:office" xmlns="" val="1"/>
+              <ma14:placeholderFlag xmlns="" xmlns:o="urn:schemas-microsoft-com:office:office" xmlns:v="urn:schemas-microsoft-com:vml" xmlns:wp="http://schemas.openxmlformats.org/drawingml/2006/powerpointprocessingDrawing" xmlns:wne="http://schemas.microsoft.com/office/powerpoint/2006/powerpointml" xmlns:cdr="http://schemas.openxmlformats.org/drawingml/2006/chartDrawing" xmlns:dgm="http://schemas.openxmlformats.org/drawingml/2006/diagram" xmlns:c="http://schemas.openxmlformats.org/drawingml/2006/chart" xmlns:a14="http://schemas.microsoft.com/office/drawing/2010/main" xmlns:mc="http://schemas.openxmlformats.org/markup-compatibility/2006" xmlns:ma14="http://schemas.microsoft.com/office/mac/drawingml/2011/main" val="1"/>
             </a:ext>
           </a:extLst>
         </p:spPr>
@@ -13969,7 +13969,7 @@
               </a14:hiddenLine>
             </a:ext>
             <a:ext uri="{FAA26D3D-D897-4be2-8F04-BA451C77F1D7}">
-              <ma14:placeholderFlag xmlns:ma14="http://schemas.microsoft.com/office/mac/drawingml/2011/main" xmlns:mc="http://schemas.openxmlformats.org/markup-compatibility/2006" xmlns:a14="http://schemas.microsoft.com/office/drawing/2010/main" xmlns:c="http://schemas.openxmlformats.org/drawingml/2006/chart" xmlns:dgm="http://schemas.openxmlformats.org/drawingml/2006/diagram" xmlns:cdr="http://schemas.openxmlformats.org/drawingml/2006/chartDrawing" xmlns:wne="http://schemas.microsoft.com/office/powerpoint/2006/powerpointml" xmlns:wp="http://schemas.openxmlformats.org/drawingml/2006/powerpointprocessingDrawing" xmlns:v="urn:schemas-microsoft-com:vml" xmlns:o="urn:schemas-microsoft-com:office:office" xmlns="" val="1"/>
+              <ma14:placeholderFlag xmlns="" xmlns:o="urn:schemas-microsoft-com:office:office" xmlns:v="urn:schemas-microsoft-com:vml" xmlns:wp="http://schemas.openxmlformats.org/drawingml/2006/powerpointprocessingDrawing" xmlns:wne="http://schemas.microsoft.com/office/powerpoint/2006/powerpointml" xmlns:cdr="http://schemas.openxmlformats.org/drawingml/2006/chartDrawing" xmlns:dgm="http://schemas.openxmlformats.org/drawingml/2006/diagram" xmlns:c="http://schemas.openxmlformats.org/drawingml/2006/chart" xmlns:a14="http://schemas.microsoft.com/office/drawing/2010/main" xmlns:mc="http://schemas.openxmlformats.org/markup-compatibility/2006" xmlns:ma14="http://schemas.microsoft.com/office/mac/drawingml/2011/main" val="1"/>
             </a:ext>
           </a:extLst>
         </p:spPr>
@@ -14164,7 +14164,7 @@
               </a14:hiddenLine>
             </a:ext>
             <a:ext uri="{FAA26D3D-D897-4be2-8F04-BA451C77F1D7}">
-              <ma14:placeholderFlag xmlns:ma14="http://schemas.microsoft.com/office/mac/drawingml/2011/main" xmlns:mc="http://schemas.openxmlformats.org/markup-compatibility/2006" xmlns:a14="http://schemas.microsoft.com/office/drawing/2010/main" xmlns:c="http://schemas.openxmlformats.org/drawingml/2006/chart" xmlns:dgm="http://schemas.openxmlformats.org/drawingml/2006/diagram" xmlns:cdr="http://schemas.openxmlformats.org/drawingml/2006/chartDrawing" xmlns:wne="http://schemas.microsoft.com/office/powerpoint/2006/powerpointml" xmlns:wp="http://schemas.openxmlformats.org/drawingml/2006/powerpointprocessingDrawing" xmlns:v="urn:schemas-microsoft-com:vml" xmlns:o="urn:schemas-microsoft-com:office:office" xmlns="" val="1"/>
+              <ma14:placeholderFlag xmlns="" xmlns:o="urn:schemas-microsoft-com:office:office" xmlns:v="urn:schemas-microsoft-com:vml" xmlns:wp="http://schemas.openxmlformats.org/drawingml/2006/powerpointprocessingDrawing" xmlns:wne="http://schemas.microsoft.com/office/powerpoint/2006/powerpointml" xmlns:cdr="http://schemas.openxmlformats.org/drawingml/2006/chartDrawing" xmlns:dgm="http://schemas.openxmlformats.org/drawingml/2006/diagram" xmlns:c="http://schemas.openxmlformats.org/drawingml/2006/chart" xmlns:a14="http://schemas.microsoft.com/office/drawing/2010/main" xmlns:mc="http://schemas.openxmlformats.org/markup-compatibility/2006" xmlns:ma14="http://schemas.microsoft.com/office/mac/drawingml/2011/main" val="1"/>
             </a:ext>
           </a:extLst>
         </p:spPr>
@@ -20414,7 +20414,7 @@
             </a:r>
             <a:r>
               <a:rPr lang="es-ES" sz="1700" dirty="0"/>
-              <a:t>que los protocolos de routing dinámico. No se utiliza ningún ciclo de CPU para calcular y comunicar las rutas.</a:t>
+              <a:t>que los protocolos de ruteo dinámico. No se utiliza ningún ciclo de CPU para calcular y comunicar las rutas.</a:t>
             </a:r>
           </a:p>
           <a:p>
@@ -20821,25 +20821,7 @@
                 </a:solidFill>
                 <a:latin typeface="Arial"/>
               </a:rPr>
-              <a:t>De manera predeterminada, las rutas estáticas tienen una distancia administrativa de 1, lo que las hace preferibles a las rutas descubiertas mediante protocolos de </a:t>
-            </a:r>
-            <a:r>
-              <a:rPr lang="es-ES" sz="2000" kern="0" dirty="0" err="1">
-                <a:solidFill>
-                  <a:srgbClr val="000000"/>
-                </a:solidFill>
-                <a:latin typeface="Arial"/>
-              </a:rPr>
-              <a:t>routing</a:t>
-            </a:r>
-            <a:r>
-              <a:rPr lang="es-ES" sz="2000" kern="0" dirty="0">
-                <a:solidFill>
-                  <a:srgbClr val="000000"/>
-                </a:solidFill>
-                <a:latin typeface="Arial"/>
-              </a:rPr>
-              <a:t> dinámico. </a:t>
+              <a:t>De manera predeterminada, las rutas estáticas tienen una distancia administrativa de 1, lo que las hace preferibles a las rutas descubiertas mediante protocolos de ruteo dinámico. </a:t>
             </a:r>
           </a:p>
         </p:txBody>
@@ -21539,7 +21521,7 @@
         <p:fade/>
       </p:transition>
     </mc:Choice>
-    <mc:Fallback xmlns="" xmlns:c15="http://schemas.microsoft.com/office/drawing/2012/chart" xmlns:c="http://schemas.openxmlformats.org/drawingml/2006/chart">
+    <mc:Fallback xmlns:c="http://schemas.openxmlformats.org/drawingml/2006/chart" xmlns:c15="http://schemas.microsoft.com/office/drawing/2012/chart" xmlns="">
       <p:transition xmlns:p14="http://schemas.microsoft.com/office/powerpoint/2010/main" spd="med">
         <p:fade/>
       </p:transition>
@@ -21783,7 +21765,7 @@
               </a14:hiddenLine>
             </a:ext>
             <a:ext uri="{FAA26D3D-D897-4be2-8F04-BA451C77F1D7}">
-              <ma14:placeholderFlag xmlns:ma14="http://schemas.microsoft.com/office/mac/drawingml/2011/main" xmlns:mc="http://schemas.openxmlformats.org/markup-compatibility/2006" xmlns:a14="http://schemas.microsoft.com/office/drawing/2010/main" xmlns:c="http://schemas.openxmlformats.org/drawingml/2006/chart" xmlns:dgm="http://schemas.openxmlformats.org/drawingml/2006/diagram" xmlns:cdr="http://schemas.openxmlformats.org/drawingml/2006/chartDrawing" xmlns:wne="http://schemas.microsoft.com/office/powerpoint/2006/powerpointml" xmlns:wp="http://schemas.openxmlformats.org/drawingml/2006/powerpointprocessingDrawing" xmlns:v="urn:schemas-microsoft-com:vml" xmlns:o="urn:schemas-microsoft-com:office:office" xmlns="" val="1"/>
+              <ma14:placeholderFlag xmlns="" xmlns:o="urn:schemas-microsoft-com:office:office" xmlns:v="urn:schemas-microsoft-com:vml" xmlns:wp="http://schemas.openxmlformats.org/drawingml/2006/powerpointprocessingDrawing" xmlns:wne="http://schemas.microsoft.com/office/powerpoint/2006/powerpointml" xmlns:cdr="http://schemas.openxmlformats.org/drawingml/2006/chartDrawing" xmlns:dgm="http://schemas.openxmlformats.org/drawingml/2006/diagram" xmlns:c="http://schemas.openxmlformats.org/drawingml/2006/chart" xmlns:a14="http://schemas.microsoft.com/office/drawing/2010/main" xmlns:mc="http://schemas.openxmlformats.org/markup-compatibility/2006" xmlns:ma14="http://schemas.microsoft.com/office/mac/drawingml/2011/main" val="1"/>
             </a:ext>
           </a:extLst>
         </p:spPr>
